--- a/PPT/HUMAN ACTION.pptx
+++ b/PPT/HUMAN ACTION.pptx
@@ -5896,24 +5896,28 @@
                 <a:spcPct val="120000"/>
               </a:lnSpc>
             </a:pPr>
+            <a:r>
+              <a:rPr lang="en-US" dirty="0">
+                <a:solidFill>
+                  <a:schemeClr val="tx1"/>
+                </a:solidFill>
+              </a:rPr>
+              <a:t>Our Github Link:</a:t>
+            </a:r>
             <a:endParaRPr lang="en-US" dirty="0"/>
           </a:p>
           <a:p>
-            <a:pPr algn="just">
+            <a:pPr algn="l">
               <a:lnSpc>
                 <a:spcPct val="120000"/>
               </a:lnSpc>
             </a:pPr>
             <a:r>
               <a:rPr lang="en-US" dirty="0">
-                <a:hlinkClick r:id="rId7"/>
-              </a:rPr>
-              <a:t>[7]https://github.com/GSagarMandal/Action_Recognision.git</a:t>
-            </a:r>
-            <a:endParaRPr lang="en-US" dirty="0"/>
-          </a:p>
-          <a:p>
-            <a:pPr algn="just"/>
+                <a:hlinkClick r:id="rId7" tooltip="" action="ppaction://hlinkfile"/>
+              </a:rPr>
+              <a:t>https://github.com/GSagarMandal/Action_Detection_ML.git</a:t>
+            </a:r>
             <a:endParaRPr lang="en-US" dirty="0"/>
           </a:p>
         </p:txBody>
